--- a/school_material/MR_Poster_v02.pptx
+++ b/school_material/MR_Poster_v02.pptx
@@ -120,6 +120,313 @@
     <p1510:client id="{B368EE1B-EF57-4D93-948B-D702267B8F82}" v="201" dt="2025-05-06T17:35:17.495"/>
   </p1510:revLst>
 </p1510:revInfo>
+</file>
+
+<file path=ppt/changesInfos/changesInfo1.xml><?xml version="1.0" encoding="utf-8"?>
+<pc:chgInfo xmlns:a="http://schemas.openxmlformats.org/drawingml/2006/main" xmlns:r="http://schemas.openxmlformats.org/officeDocument/2006/relationships" xmlns:ac="http://schemas.microsoft.com/office/drawing/2013/main/command" xmlns:pc="http://schemas.microsoft.com/office/powerpoint/2013/main/command">
+  <pc:docChgLst>
+    <pc:chgData name="steve.cookson steve.cookson" userId="2d0a728d9835d0d9" providerId="Windows Live" clId="Web-{FA28DFA4-37DC-49EE-A574-5942AF912890}"/>
+    <pc:docChg chg="addSld delSld modSld">
+      <pc:chgData name="steve.cookson steve.cookson" userId="2d0a728d9835d0d9" providerId="Windows Live" clId="Web-{FA28DFA4-37DC-49EE-A574-5942AF912890}" dt="2025-05-04T09:19:03.153" v="171"/>
+      <pc:docMkLst>
+        <pc:docMk/>
+      </pc:docMkLst>
+      <pc:sldChg chg="modSp">
+        <pc:chgData name="steve.cookson steve.cookson" userId="2d0a728d9835d0d9" providerId="Windows Live" clId="Web-{FA28DFA4-37DC-49EE-A574-5942AF912890}" dt="2025-05-04T09:19:03.153" v="171"/>
+        <pc:sldMkLst>
+          <pc:docMk/>
+          <pc:sldMk cId="3579811817" sldId="304"/>
+        </pc:sldMkLst>
+        <pc:graphicFrameChg chg="modGraphic">
+          <ac:chgData name="steve.cookson steve.cookson" userId="2d0a728d9835d0d9" providerId="Windows Live" clId="Web-{FA28DFA4-37DC-49EE-A574-5942AF912890}" dt="2025-05-04T09:19:03.153" v="171"/>
+          <ac:graphicFrameMkLst>
+            <pc:docMk/>
+            <pc:sldMk cId="3579811817" sldId="304"/>
+            <ac:graphicFrameMk id="30" creationId="{F337D4DC-4F31-DF07-DCB5-B6EFDE6438AA}"/>
+          </ac:graphicFrameMkLst>
+        </pc:graphicFrameChg>
+      </pc:sldChg>
+      <pc:sldChg chg="addSp delSp modSp new del mod setBg">
+        <pc:chgData name="steve.cookson steve.cookson" userId="2d0a728d9835d0d9" providerId="Windows Live" clId="Web-{FA28DFA4-37DC-49EE-A574-5942AF912890}" dt="2025-05-04T09:18:07.599" v="167"/>
+        <pc:sldMkLst>
+          <pc:docMk/>
+          <pc:sldMk cId="3464952085" sldId="305"/>
+        </pc:sldMkLst>
+        <pc:spChg chg="mod">
+          <ac:chgData name="steve.cookson steve.cookson" userId="2d0a728d9835d0d9" providerId="Windows Live" clId="Web-{FA28DFA4-37DC-49EE-A574-5942AF912890}" dt="2025-05-04T09:17:14.425" v="166"/>
+          <ac:spMkLst>
+            <pc:docMk/>
+            <pc:sldMk cId="3464952085" sldId="305"/>
+            <ac:spMk id="2" creationId="{736FA03A-5161-7CAB-2BC6-EDA09181B9DE}"/>
+          </ac:spMkLst>
+        </pc:spChg>
+        <pc:spChg chg="del">
+          <ac:chgData name="steve.cookson steve.cookson" userId="2d0a728d9835d0d9" providerId="Windows Live" clId="Web-{FA28DFA4-37DC-49EE-A574-5942AF912890}" dt="2025-05-04T09:15:19.218" v="153"/>
+          <ac:spMkLst>
+            <pc:docMk/>
+            <pc:sldMk cId="3464952085" sldId="305"/>
+            <ac:spMk id="3" creationId="{3E777A2C-21D8-696F-E14F-C8F0545B01D6}"/>
+          </ac:spMkLst>
+        </pc:spChg>
+        <pc:spChg chg="add del">
+          <ac:chgData name="steve.cookson steve.cookson" userId="2d0a728d9835d0d9" providerId="Windows Live" clId="Web-{FA28DFA4-37DC-49EE-A574-5942AF912890}" dt="2025-05-04T09:16:30.876" v="160"/>
+          <ac:spMkLst>
+            <pc:docMk/>
+            <pc:sldMk cId="3464952085" sldId="305"/>
+            <ac:spMk id="26" creationId="{A5931BE0-4B93-4D6C-878E-ACC59D6B4587}"/>
+          </ac:spMkLst>
+        </pc:spChg>
+        <pc:spChg chg="add del">
+          <ac:chgData name="steve.cookson steve.cookson" userId="2d0a728d9835d0d9" providerId="Windows Live" clId="Web-{FA28DFA4-37DC-49EE-A574-5942AF912890}" dt="2025-05-04T09:16:30.767" v="159"/>
+          <ac:spMkLst>
+            <pc:docMk/>
+            <pc:sldMk cId="3464952085" sldId="305"/>
+            <ac:spMk id="58" creationId="{A5931BE0-4B93-4D6C-878E-ACC59D6B4587}"/>
+          </ac:spMkLst>
+        </pc:spChg>
+        <pc:spChg chg="add del">
+          <ac:chgData name="steve.cookson steve.cookson" userId="2d0a728d9835d0d9" providerId="Windows Live" clId="Web-{FA28DFA4-37DC-49EE-A574-5942AF912890}" dt="2025-05-04T09:16:30.767" v="159"/>
+          <ac:spMkLst>
+            <pc:docMk/>
+            <pc:sldMk cId="3464952085" sldId="305"/>
+            <ac:spMk id="64" creationId="{20373973-4586-48A3-ADF2-95A571530B4D}"/>
+          </ac:spMkLst>
+        </pc:spChg>
+        <pc:spChg chg="add del">
+          <ac:chgData name="steve.cookson steve.cookson" userId="2d0a728d9835d0d9" providerId="Windows Live" clId="Web-{FA28DFA4-37DC-49EE-A574-5942AF912890}" dt="2025-05-04T09:17:14.425" v="166"/>
+          <ac:spMkLst>
+            <pc:docMk/>
+            <pc:sldMk cId="3464952085" sldId="305"/>
+            <ac:spMk id="66" creationId="{A5931BE0-4B93-4D6C-878E-ACC59D6B4587}"/>
+          </ac:spMkLst>
+        </pc:spChg>
+        <pc:spChg chg="add del">
+          <ac:chgData name="steve.cookson steve.cookson" userId="2d0a728d9835d0d9" providerId="Windows Live" clId="Web-{FA28DFA4-37DC-49EE-A574-5942AF912890}" dt="2025-05-04T09:17:03.706" v="163"/>
+          <ac:spMkLst>
+            <pc:docMk/>
+            <pc:sldMk cId="3464952085" sldId="305"/>
+            <ac:spMk id="105" creationId="{A5931BE0-4B93-4D6C-878E-ACC59D6B4587}"/>
+          </ac:spMkLst>
+        </pc:spChg>
+        <pc:spChg chg="add del">
+          <ac:chgData name="steve.cookson steve.cookson" userId="2d0a728d9835d0d9" providerId="Windows Live" clId="Web-{FA28DFA4-37DC-49EE-A574-5942AF912890}" dt="2025-05-04T09:17:14.362" v="165"/>
+          <ac:spMkLst>
+            <pc:docMk/>
+            <pc:sldMk cId="3464952085" sldId="305"/>
+            <ac:spMk id="110" creationId="{A5931BE0-4B93-4D6C-878E-ACC59D6B4587}"/>
+          </ac:spMkLst>
+        </pc:spChg>
+        <pc:spChg chg="add del">
+          <ac:chgData name="steve.cookson steve.cookson" userId="2d0a728d9835d0d9" providerId="Windows Live" clId="Web-{FA28DFA4-37DC-49EE-A574-5942AF912890}" dt="2025-05-04T09:17:14.362" v="165"/>
+          <ac:spMkLst>
+            <pc:docMk/>
+            <pc:sldMk cId="3464952085" sldId="305"/>
+            <ac:spMk id="111" creationId="{1AC4FAA8-29F9-468B-BCFF-A8B11A2A12CF}"/>
+          </ac:spMkLst>
+        </pc:spChg>
+        <pc:spChg chg="add">
+          <ac:chgData name="steve.cookson steve.cookson" userId="2d0a728d9835d0d9" providerId="Windows Live" clId="Web-{FA28DFA4-37DC-49EE-A574-5942AF912890}" dt="2025-05-04T09:17:14.425" v="166"/>
+          <ac:spMkLst>
+            <pc:docMk/>
+            <pc:sldMk cId="3464952085" sldId="305"/>
+            <ac:spMk id="113" creationId="{A5931BE0-4B93-4D6C-878E-ACC59D6B4587}"/>
+          </ac:spMkLst>
+        </pc:spChg>
+        <pc:grpChg chg="add del">
+          <ac:chgData name="steve.cookson steve.cookson" userId="2d0a728d9835d0d9" providerId="Windows Live" clId="Web-{FA28DFA4-37DC-49EE-A574-5942AF912890}" dt="2025-05-04T09:16:30.876" v="160"/>
+          <ac:grpSpMkLst>
+            <pc:docMk/>
+            <pc:sldMk cId="3464952085" sldId="305"/>
+            <ac:grpSpMk id="28" creationId="{D0342557-9691-41B1-9FFF-027845ED041F}"/>
+          </ac:grpSpMkLst>
+        </pc:grpChg>
+        <pc:grpChg chg="add del">
+          <ac:chgData name="steve.cookson steve.cookson" userId="2d0a728d9835d0d9" providerId="Windows Live" clId="Web-{FA28DFA4-37DC-49EE-A574-5942AF912890}" dt="2025-05-04T09:16:30.767" v="159"/>
+          <ac:grpSpMkLst>
+            <pc:docMk/>
+            <pc:sldMk cId="3464952085" sldId="305"/>
+            <ac:grpSpMk id="60" creationId="{5A492954-D4E6-4FAF-94AC-292DFFFDC504}"/>
+          </ac:grpSpMkLst>
+        </pc:grpChg>
+        <pc:grpChg chg="add del">
+          <ac:chgData name="steve.cookson steve.cookson" userId="2d0a728d9835d0d9" providerId="Windows Live" clId="Web-{FA28DFA4-37DC-49EE-A574-5942AF912890}" dt="2025-05-04T09:17:14.362" v="165"/>
+          <ac:grpSpMkLst>
+            <pc:docMk/>
+            <pc:sldMk cId="3464952085" sldId="305"/>
+            <ac:grpSpMk id="107" creationId="{11F8F457-0192-4F9A-9EEF-D784521FAC11}"/>
+          </ac:grpSpMkLst>
+        </pc:grpChg>
+        <pc:grpChg chg="add">
+          <ac:chgData name="steve.cookson steve.cookson" userId="2d0a728d9835d0d9" providerId="Windows Live" clId="Web-{FA28DFA4-37DC-49EE-A574-5942AF912890}" dt="2025-05-04T09:17:14.425" v="166"/>
+          <ac:grpSpMkLst>
+            <pc:docMk/>
+            <pc:sldMk cId="3464952085" sldId="305"/>
+            <ac:grpSpMk id="114" creationId="{11F8F457-0192-4F9A-9EEF-D784521FAC11}"/>
+          </ac:grpSpMkLst>
+        </pc:grpChg>
+        <pc:graphicFrameChg chg="add del">
+          <ac:chgData name="steve.cookson steve.cookson" userId="2d0a728d9835d0d9" providerId="Windows Live" clId="Web-{FA28DFA4-37DC-49EE-A574-5942AF912890}" dt="2025-05-04T09:15:11.358" v="151"/>
+          <ac:graphicFrameMkLst>
+            <pc:docMk/>
+            <pc:sldMk cId="3464952085" sldId="305"/>
+            <ac:graphicFrameMk id="5" creationId="{426B0E64-29DC-58BE-FC76-078FCB052A01}"/>
+          </ac:graphicFrameMkLst>
+        </pc:graphicFrameChg>
+        <pc:graphicFrameChg chg="add mod ord modGraphic">
+          <ac:chgData name="steve.cookson steve.cookson" userId="2d0a728d9835d0d9" providerId="Windows Live" clId="Web-{FA28DFA4-37DC-49EE-A574-5942AF912890}" dt="2025-05-04T09:17:14.425" v="166"/>
+          <ac:graphicFrameMkLst>
+            <pc:docMk/>
+            <pc:sldMk cId="3464952085" sldId="305"/>
+            <ac:graphicFrameMk id="21" creationId="{426B0E64-29DC-58BE-FC76-078FCB052A01}"/>
+          </ac:graphicFrameMkLst>
+        </pc:graphicFrameChg>
+        <pc:picChg chg="add mod">
+          <ac:chgData name="steve.cookson steve.cookson" userId="2d0a728d9835d0d9" providerId="Windows Live" clId="Web-{FA28DFA4-37DC-49EE-A574-5942AF912890}" dt="2025-05-04T09:17:14.425" v="166"/>
+          <ac:picMkLst>
+            <pc:docMk/>
+            <pc:sldMk cId="3464952085" sldId="305"/>
+            <ac:picMk id="53" creationId="{5E9B5B56-42DC-E4BB-1D57-E76AD0411D26}"/>
+          </ac:picMkLst>
+        </pc:picChg>
+        <pc:picChg chg="add mod ord">
+          <ac:chgData name="steve.cookson steve.cookson" userId="2d0a728d9835d0d9" providerId="Windows Live" clId="Web-{FA28DFA4-37DC-49EE-A574-5942AF912890}" dt="2025-05-04T09:17:14.425" v="166"/>
+          <ac:picMkLst>
+            <pc:docMk/>
+            <pc:sldMk cId="3464952085" sldId="305"/>
+            <ac:picMk id="100" creationId="{B61B27FC-5881-279D-D9AC-56EE8BAFBF36}"/>
+          </ac:picMkLst>
+        </pc:picChg>
+      </pc:sldChg>
+    </pc:docChg>
+  </pc:docChgLst>
+  <pc:docChgLst>
+    <pc:chgData name="steve.cookson steve.cookson" userId="2d0a728d9835d0d9" providerId="Windows Live" clId="Web-{B368EE1B-EF57-4D93-948B-D702267B8F82}"/>
+    <pc:docChg chg="addSld modSld">
+      <pc:chgData name="steve.cookson steve.cookson" userId="2d0a728d9835d0d9" providerId="Windows Live" clId="Web-{B368EE1B-EF57-4D93-948B-D702267B8F82}" dt="2025-05-06T17:35:17.214" v="206" actId="20577"/>
+      <pc:docMkLst>
+        <pc:docMk/>
+      </pc:docMkLst>
+      <pc:sldChg chg="modSp">
+        <pc:chgData name="steve.cookson steve.cookson" userId="2d0a728d9835d0d9" providerId="Windows Live" clId="Web-{B368EE1B-EF57-4D93-948B-D702267B8F82}" dt="2025-05-06T15:45:55.891" v="8" actId="20577"/>
+        <pc:sldMkLst>
+          <pc:docMk/>
+          <pc:sldMk cId="3579811817" sldId="304"/>
+        </pc:sldMkLst>
+        <pc:graphicFrameChg chg="modGraphic">
+          <ac:chgData name="steve.cookson steve.cookson" userId="2d0a728d9835d0d9" providerId="Windows Live" clId="Web-{B368EE1B-EF57-4D93-948B-D702267B8F82}" dt="2025-05-06T15:45:55.891" v="8" actId="20577"/>
+          <ac:graphicFrameMkLst>
+            <pc:docMk/>
+            <pc:sldMk cId="3579811817" sldId="304"/>
+            <ac:graphicFrameMk id="30" creationId="{F337D4DC-4F31-DF07-DCB5-B6EFDE6438AA}"/>
+          </ac:graphicFrameMkLst>
+        </pc:graphicFrameChg>
+      </pc:sldChg>
+      <pc:sldChg chg="addSp delSp modSp add mod replId modClrScheme delDesignElem chgLayout">
+        <pc:chgData name="steve.cookson steve.cookson" userId="2d0a728d9835d0d9" providerId="Windows Live" clId="Web-{B368EE1B-EF57-4D93-948B-D702267B8F82}" dt="2025-05-06T17:35:17.214" v="206" actId="20577"/>
+        <pc:sldMkLst>
+          <pc:docMk/>
+          <pc:sldMk cId="4142231382" sldId="305"/>
+        </pc:sldMkLst>
+        <pc:spChg chg="mod ord">
+          <ac:chgData name="steve.cookson steve.cookson" userId="2d0a728d9835d0d9" providerId="Windows Live" clId="Web-{B368EE1B-EF57-4D93-948B-D702267B8F82}" dt="2025-05-06T17:31:11.987" v="154"/>
+          <ac:spMkLst>
+            <pc:docMk/>
+            <pc:sldMk cId="4142231382" sldId="305"/>
+            <ac:spMk id="2" creationId="{56F53879-8FCD-E367-5FEE-B08964DE2109}"/>
+          </ac:spMkLst>
+        </pc:spChg>
+        <pc:spChg chg="add del mod ord">
+          <ac:chgData name="steve.cookson steve.cookson" userId="2d0a728d9835d0d9" providerId="Windows Live" clId="Web-{B368EE1B-EF57-4D93-948B-D702267B8F82}" dt="2025-05-06T17:16:06.443" v="104"/>
+          <ac:spMkLst>
+            <pc:docMk/>
+            <pc:sldMk cId="4142231382" sldId="305"/>
+            <ac:spMk id="3" creationId="{F53AF7BB-B96C-C988-CCBD-277A9857B6D4}"/>
+          </ac:spMkLst>
+        </pc:spChg>
+        <pc:spChg chg="add del mod ord">
+          <ac:chgData name="steve.cookson steve.cookson" userId="2d0a728d9835d0d9" providerId="Windows Live" clId="Web-{B368EE1B-EF57-4D93-948B-D702267B8F82}" dt="2025-05-06T17:34:08.336" v="191" actId="20577"/>
+          <ac:spMkLst>
+            <pc:docMk/>
+            <pc:sldMk cId="4142231382" sldId="305"/>
+            <ac:spMk id="5" creationId="{0A022379-A2BB-DF58-8C83-7DD24811FE95}"/>
+          </ac:spMkLst>
+        </pc:spChg>
+        <pc:spChg chg="add del mod">
+          <ac:chgData name="steve.cookson steve.cookson" userId="2d0a728d9835d0d9" providerId="Windows Live" clId="Web-{B368EE1B-EF57-4D93-948B-D702267B8F82}" dt="2025-05-06T17:30:38.314" v="152"/>
+          <ac:spMkLst>
+            <pc:docMk/>
+            <pc:sldMk cId="4142231382" sldId="305"/>
+            <ac:spMk id="7" creationId="{CE94CB0D-71AF-A439-EE2E-01D4BD6D8C24}"/>
+          </ac:spMkLst>
+        </pc:spChg>
+        <pc:spChg chg="add del mod ord">
+          <ac:chgData name="steve.cookson steve.cookson" userId="2d0a728d9835d0d9" providerId="Windows Live" clId="Web-{B368EE1B-EF57-4D93-948B-D702267B8F82}" dt="2025-05-06T17:31:11.987" v="154"/>
+          <ac:spMkLst>
+            <pc:docMk/>
+            <pc:sldMk cId="4142231382" sldId="305"/>
+            <ac:spMk id="8" creationId="{94FB0682-46CB-7B8D-F00F-EE2DFACB1F14}"/>
+          </ac:spMkLst>
+        </pc:spChg>
+        <pc:spChg chg="del">
+          <ac:chgData name="steve.cookson steve.cookson" userId="2d0a728d9835d0d9" providerId="Windows Live" clId="Web-{B368EE1B-EF57-4D93-948B-D702267B8F82}" dt="2025-05-06T17:11:33.950" v="16"/>
+          <ac:spMkLst>
+            <pc:docMk/>
+            <pc:sldMk cId="4142231382" sldId="305"/>
+            <ac:spMk id="9" creationId="{7C31CEF2-CEBD-AD1C-ADBA-D6FCF1BAE371}"/>
+          </ac:spMkLst>
+        </pc:spChg>
+        <pc:spChg chg="add del mod ord">
+          <ac:chgData name="steve.cookson steve.cookson" userId="2d0a728d9835d0d9" providerId="Windows Live" clId="Web-{B368EE1B-EF57-4D93-948B-D702267B8F82}" dt="2025-05-06T17:31:11.987" v="154"/>
+          <ac:spMkLst>
+            <pc:docMk/>
+            <pc:sldMk cId="4142231382" sldId="305"/>
+            <ac:spMk id="10" creationId="{CCC3BD5B-7D8A-D513-6616-91B01699EB7E}"/>
+          </ac:spMkLst>
+        </pc:spChg>
+        <pc:spChg chg="del">
+          <ac:chgData name="steve.cookson steve.cookson" userId="2d0a728d9835d0d9" providerId="Windows Live" clId="Web-{B368EE1B-EF57-4D93-948B-D702267B8F82}" dt="2025-05-06T17:11:33.950" v="16"/>
+          <ac:spMkLst>
+            <pc:docMk/>
+            <pc:sldMk cId="4142231382" sldId="305"/>
+            <ac:spMk id="11" creationId="{636E1EC7-A41E-E0D1-8C9D-D35991F72ABD}"/>
+          </ac:spMkLst>
+        </pc:spChg>
+        <pc:spChg chg="add del mod">
+          <ac:chgData name="steve.cookson steve.cookson" userId="2d0a728d9835d0d9" providerId="Windows Live" clId="Web-{B368EE1B-EF57-4D93-948B-D702267B8F82}" dt="2025-05-06T17:31:23.050" v="156"/>
+          <ac:spMkLst>
+            <pc:docMk/>
+            <pc:sldMk cId="4142231382" sldId="305"/>
+            <ac:spMk id="13" creationId="{D425D30E-6A34-E04C-515E-AAF24EB93B4A}"/>
+          </ac:spMkLst>
+        </pc:spChg>
+        <pc:spChg chg="add mod">
+          <ac:chgData name="steve.cookson steve.cookson" userId="2d0a728d9835d0d9" providerId="Windows Live" clId="Web-{B368EE1B-EF57-4D93-948B-D702267B8F82}" dt="2025-05-06T17:35:17.214" v="206" actId="20577"/>
+          <ac:spMkLst>
+            <pc:docMk/>
+            <pc:sldMk cId="4142231382" sldId="305"/>
+            <ac:spMk id="15" creationId="{68AA23CD-2F15-319B-8DEE-709B0513293A}"/>
+          </ac:spMkLst>
+        </pc:spChg>
+        <pc:picChg chg="del">
+          <ac:chgData name="steve.cookson steve.cookson" userId="2d0a728d9835d0d9" providerId="Windows Live" clId="Web-{B368EE1B-EF57-4D93-948B-D702267B8F82}" dt="2025-05-06T17:08:19.460" v="15"/>
+          <ac:picMkLst>
+            <pc:docMk/>
+            <pc:sldMk cId="4142231382" sldId="305"/>
+            <ac:picMk id="4" creationId="{0D9DCC68-6C6A-F62F-A75D-0F7C3A80BF8D}"/>
+          </ac:picMkLst>
+        </pc:picChg>
+        <pc:picChg chg="add mod ord">
+          <ac:chgData name="steve.cookson steve.cookson" userId="2d0a728d9835d0d9" providerId="Windows Live" clId="Web-{B368EE1B-EF57-4D93-948B-D702267B8F82}" dt="2025-05-06T17:31:11.987" v="154"/>
+          <ac:picMkLst>
+            <pc:docMk/>
+            <pc:sldMk cId="4142231382" sldId="305"/>
+            <ac:picMk id="6" creationId="{8606F7F9-BF37-077C-2A04-C221FCB242FD}"/>
+          </ac:picMkLst>
+        </pc:picChg>
+      </pc:sldChg>
+    </pc:docChg>
+  </pc:docChgLst>
+</pc:chgInfo>
 </file>
 
 <file path=ppt/diagrams/colors1.xml><?xml version="1.0" encoding="utf-8"?>
@@ -4087,7 +4394,7 @@
           <a:p>
             <a:fld id="{72EA7947-E287-4738-8C82-07CE4F01EF03}" type="datetime2">
               <a:rPr lang="en-US" smtClean="0"/>
-              <a:t>Thursday, June 5, 2025</a:t>
+              <a:t>Tuesday, May 6, 2025</a:t>
             </a:fld>
             <a:endParaRPr lang="en-US"/>
           </a:p>
@@ -5122,7 +5429,7 @@
           <a:p>
             <a:fld id="{EE2EBD84-71F4-4271-8C46-0D47C0A9B12E}" type="datetime2">
               <a:rPr lang="en-US" smtClean="0"/>
-              <a:t>Thursday, June 5, 2025</a:t>
+              <a:t>Tuesday, May 6, 2025</a:t>
             </a:fld>
             <a:endParaRPr lang="en-US"/>
           </a:p>
@@ -5333,7 +5640,7 @@
           <a:p>
             <a:fld id="{ABAE0CE1-F450-4107-B2CB-17B18F8A3F4A}" type="datetime2">
               <a:rPr lang="en-US" smtClean="0"/>
-              <a:t>Thursday, June 5, 2025</a:t>
+              <a:t>Tuesday, May 6, 2025</a:t>
             </a:fld>
             <a:endParaRPr lang="en-US"/>
           </a:p>
@@ -5996,7 +6303,7 @@
           <a:p>
             <a:fld id="{6FE8C025-CD7A-4966-867E-81CF82B15267}" type="datetime2">
               <a:rPr lang="en-US" smtClean="0"/>
-              <a:t>Thursday, June 5, 2025</a:t>
+              <a:t>Tuesday, May 6, 2025</a:t>
             </a:fld>
             <a:endParaRPr lang="en-US"/>
           </a:p>
@@ -6615,7 +6922,7 @@
           <a:p>
             <a:fld id="{FE809929-0719-4517-94D6-FDF7F99E70F6}" type="datetime2">
               <a:rPr lang="en-US" smtClean="0"/>
-              <a:t>Thursday, June 5, 2025</a:t>
+              <a:t>Tuesday, May 6, 2025</a:t>
             </a:fld>
             <a:endParaRPr lang="en-US"/>
           </a:p>
@@ -7730,7 +8037,7 @@
           <a:p>
             <a:fld id="{20E95673-5512-4AAA-9AEB-E00C61EC65D5}" type="datetime2">
               <a:rPr lang="en-US" smtClean="0"/>
-              <a:t>Thursday, June 5, 2025</a:t>
+              <a:t>Tuesday, May 6, 2025</a:t>
             </a:fld>
             <a:endParaRPr lang="en-US"/>
           </a:p>
@@ -8275,7 +8582,7 @@
           <a:p>
             <a:fld id="{C13138FA-2E87-4873-8BBA-13E447C9A99A}" type="datetime2">
               <a:rPr lang="en-US" smtClean="0"/>
-              <a:t>Thursday, June 5, 2025</a:t>
+              <a:t>Tuesday, May 6, 2025</a:t>
             </a:fld>
             <a:endParaRPr lang="en-US"/>
           </a:p>
@@ -8435,7 +8742,7 @@
           <a:p>
             <a:fld id="{D75BB40A-97BD-4BFB-B639-0BFF95FDE8B7}" type="datetime2">
               <a:rPr lang="en-US" smtClean="0"/>
-              <a:t>Thursday, June 5, 2025</a:t>
+              <a:t>Tuesday, May 6, 2025</a:t>
             </a:fld>
             <a:endParaRPr lang="en-US"/>
           </a:p>
@@ -9470,7 +9777,7 @@
           <a:p>
             <a:fld id="{9EE9E0E3-ECF6-4CFE-8698-AEFEBCECC3C0}" type="datetime2">
               <a:rPr lang="en-US" smtClean="0"/>
-              <a:t>Thursday, June 5, 2025</a:t>
+              <a:t>Tuesday, May 6, 2025</a:t>
             </a:fld>
             <a:endParaRPr lang="en-US"/>
           </a:p>
@@ -10114,7 +10421,7 @@
           <a:p>
             <a:fld id="{251462FC-960E-4740-921F-B36862979F21}" type="datetime2">
               <a:rPr lang="en-US" smtClean="0"/>
-              <a:t>Thursday, June 5, 2025</a:t>
+              <a:t>Tuesday, May 6, 2025</a:t>
             </a:fld>
             <a:endParaRPr lang="en-US"/>
           </a:p>
@@ -10876,7 +11183,7 @@
           <a:p>
             <a:fld id="{E50BC9E2-CB44-4C05-9BB5-496C18A241E0}" type="datetime2">
               <a:rPr lang="en-US" smtClean="0"/>
-              <a:t>Thursday, June 5, 2025</a:t>
+              <a:t>Tuesday, May 6, 2025</a:t>
             </a:fld>
             <a:endParaRPr lang="en-US"/>
           </a:p>
@@ -11127,7 +11434,7 @@
           <a:p>
             <a:fld id="{246CB39B-5F4C-4A7E-9BE3-AAFD45576D16}" type="datetime2">
               <a:rPr lang="en-US" smtClean="0"/>
-              <a:t>Thursday, June 5, 2025</a:t>
+              <a:t>Tuesday, May 6, 2025</a:t>
             </a:fld>
             <a:endParaRPr lang="en-US"/>
           </a:p>
